--- a/Briefings/WinterFinalBriefing.pptx
+++ b/Briefings/WinterFinalBriefing.pptx
@@ -122,6 +122,22 @@
       </a:defRPr>
     </a:lvl9pPr>
   </p:defaultTextStyle>
+  <p:extLst>
+    <p:ext uri="{EFAFB233-063F-42B5-8137-9DF3F51BA10A}">
+      <p15:sldGuideLst xmlns:p15="http://schemas.microsoft.com/office/powerpoint/2012/main">
+        <p15:guide id="1" orient="horz" pos="2160">
+          <p15:clr>
+            <a:srgbClr val="A4A3A4"/>
+          </p15:clr>
+        </p15:guide>
+        <p15:guide id="2" pos="2880">
+          <p15:clr>
+            <a:srgbClr val="A4A3A4"/>
+          </p15:clr>
+        </p15:guide>
+      </p15:sldGuideLst>
+    </p:ext>
+  </p:extLst>
 </p:presentation>
 </file>
 
@@ -4314,7 +4330,7 @@
           <a:bodyPr/>
           <a:lstStyle/>
           <a:p>
-            <a:endParaRPr lang="en-US"/>
+            <a:endParaRPr lang="en-US" dirty="0"/>
           </a:p>
         </p:txBody>
       </p:sp>
@@ -4769,7 +4785,51 @@
               <a:rPr lang="en-US" dirty="0" smtClean="0"/>
               <a:t>Ralph</a:t>
             </a:r>
-            <a:endParaRPr lang="en-US" dirty="0"/>
+          </a:p>
+          <a:p>
+            <a:pPr lvl="1"/>
+            <a:r>
+              <a:rPr lang="en-US" dirty="0" smtClean="0"/>
+              <a:t>C# creating </a:t>
+            </a:r>
+            <a:r>
+              <a:rPr lang="en-US" dirty="0" err="1" smtClean="0"/>
+              <a:t>ui</a:t>
+            </a:r>
+            <a:r>
+              <a:rPr lang="en-US" dirty="0" smtClean="0"/>
+              <a:t> controls</a:t>
+            </a:r>
+          </a:p>
+          <a:p>
+            <a:pPr lvl="1"/>
+            <a:r>
+              <a:rPr lang="en-US" dirty="0" smtClean="0"/>
+              <a:t>How to work with another team</a:t>
+            </a:r>
+          </a:p>
+          <a:p>
+            <a:pPr lvl="1"/>
+            <a:r>
+              <a:rPr lang="en-US" dirty="0" smtClean="0"/>
+              <a:t>Read documentation thoroughly</a:t>
+            </a:r>
+          </a:p>
+          <a:p>
+            <a:pPr lvl="1"/>
+            <a:endParaRPr lang="en-US" dirty="0" smtClean="0"/>
+          </a:p>
+          <a:p>
+            <a:pPr lvl="1"/>
+            <a:endParaRPr lang="en-US" dirty="0" smtClean="0"/>
+          </a:p>
+          <a:p>
+            <a:pPr lvl="1"/>
+            <a:endParaRPr lang="en-US" dirty="0" smtClean="0"/>
+          </a:p>
+          <a:p>
+            <a:pPr lvl="1"/>
+            <a:endParaRPr lang="en-US" dirty="0" smtClean="0"/>
           </a:p>
         </p:txBody>
       </p:sp>
@@ -4916,22 +4976,14 @@
           <a:p>
             <a:r>
               <a:rPr lang="en-US" dirty="0" smtClean="0"/>
-              <a:t>Data is collected on paper </a:t>
-            </a:r>
-            <a:r>
-              <a:rPr lang="en-US" dirty="0" smtClean="0"/>
-              <a:t>forms submitted via mail</a:t>
+              <a:t>Data is collected on paper forms submitted via mail</a:t>
             </a:r>
           </a:p>
           <a:p>
             <a:pPr lvl="1"/>
             <a:r>
               <a:rPr lang="en-US" dirty="0" smtClean="0"/>
-              <a:t>Potential for </a:t>
-            </a:r>
-            <a:r>
-              <a:rPr lang="en-US" dirty="0" smtClean="0"/>
-              <a:t>loss</a:t>
+              <a:t>Potential for loss</a:t>
             </a:r>
           </a:p>
           <a:p>
@@ -4940,19 +4992,13 @@
               <a:rPr lang="en-US" dirty="0" smtClean="0"/>
               <a:t>Errors during the collection of the data</a:t>
             </a:r>
-            <a:endParaRPr lang="en-US" dirty="0" smtClean="0"/>
           </a:p>
           <a:p>
             <a:pPr lvl="1"/>
             <a:r>
               <a:rPr lang="en-US" dirty="0" smtClean="0"/>
-              <a:t>Errors during </a:t>
-            </a:r>
-            <a:r>
-              <a:rPr lang="en-US" dirty="0" smtClean="0"/>
-              <a:t>transcription to Excel</a:t>
-            </a:r>
-            <a:endParaRPr lang="en-US" dirty="0" smtClean="0"/>
+              <a:t>Errors during transcription to Excel</a:t>
+            </a:r>
           </a:p>
           <a:p>
             <a:pPr lvl="1"/>
@@ -5120,7 +5166,7 @@
         <p:spPr/>
         <p:txBody>
           <a:bodyPr>
-            <a:normAutofit lnSpcReduction="10000"/>
+            <a:normAutofit/>
           </a:bodyPr>
           <a:lstStyle/>
           <a:p>
@@ -5140,13 +5186,8 @@
             <a:pPr lvl="1"/>
             <a:r>
               <a:rPr lang="en-US" dirty="0" smtClean="0"/>
-              <a:t>Raw </a:t>
-            </a:r>
-            <a:r>
-              <a:rPr lang="en-US" dirty="0" smtClean="0"/>
-              <a:t>Fish </a:t>
-            </a:r>
-            <a:endParaRPr lang="en-US" dirty="0" smtClean="0"/>
+              <a:t>Raw Fish </a:t>
+            </a:r>
           </a:p>
           <a:p>
             <a:pPr lvl="1"/>
@@ -5171,13 +5212,8 @@
           <a:p>
             <a:r>
               <a:rPr lang="en-US" dirty="0" smtClean="0"/>
-              <a:t>Fully functional with </a:t>
-            </a:r>
-            <a:r>
-              <a:rPr lang="en-US" dirty="0" smtClean="0"/>
-              <a:t>Team 4’s database</a:t>
-            </a:r>
-            <a:endParaRPr lang="en-US" dirty="0" smtClean="0"/>
+              <a:t>Fully functional with Team 4’s database</a:t>
+            </a:r>
           </a:p>
           <a:p>
             <a:r>
@@ -5405,13 +5441,8 @@
             <a:pPr lvl="1"/>
             <a:r>
               <a:rPr lang="en-US" dirty="0" smtClean="0"/>
-              <a:t>Windows 7 Professional (64 bit</a:t>
-            </a:r>
-            <a:r>
-              <a:rPr lang="en-US" dirty="0" smtClean="0"/>
-              <a:t>)</a:t>
-            </a:r>
-            <a:endParaRPr lang="en-US" dirty="0" smtClean="0"/>
+              <a:t>Windows 7 Professional (64 bit)</a:t>
+            </a:r>
           </a:p>
         </p:txBody>
       </p:sp>

--- a/Briefings/WinterFinalBriefing.pptx
+++ b/Briefings/WinterFinalBriefing.pptx
@@ -124,7 +124,7 @@
   </p:defaultTextStyle>
   <p:extLst>
     <p:ext uri="{EFAFB233-063F-42B5-8137-9DF3F51BA10A}">
-      <p15:sldGuideLst xmlns:p15="http://schemas.microsoft.com/office/powerpoint/2012/main">
+      <p15:sldGuideLst xmlns:p15="http://schemas.microsoft.com/office/powerpoint/2012/main" xmlns="">
         <p15:guide id="1" orient="horz" pos="2160">
           <p15:clr>
             <a:srgbClr val="A4A3A4"/>
@@ -349,7 +349,7 @@
             <a:fld id="{542ED6D8-967B-4FDD-8539-23116DD8CE38}" type="datetimeFigureOut">
               <a:rPr lang="en-US" smtClean="0"/>
               <a:pPr/>
-              <a:t>3/13/2015</a:t>
+              <a:t>3/14/2015</a:t>
             </a:fld>
             <a:endParaRPr lang="en-US"/>
           </a:p>
@@ -545,7 +545,7 @@
             <a:fld id="{542ED6D8-967B-4FDD-8539-23116DD8CE38}" type="datetimeFigureOut">
               <a:rPr lang="en-US" smtClean="0"/>
               <a:pPr/>
-              <a:t>3/13/2015</a:t>
+              <a:t>3/14/2015</a:t>
             </a:fld>
             <a:endParaRPr lang="en-US"/>
           </a:p>
@@ -735,7 +735,7 @@
             <a:fld id="{542ED6D8-967B-4FDD-8539-23116DD8CE38}" type="datetimeFigureOut">
               <a:rPr lang="en-US" smtClean="0"/>
               <a:pPr/>
-              <a:t>3/13/2015</a:t>
+              <a:t>3/14/2015</a:t>
             </a:fld>
             <a:endParaRPr lang="en-US"/>
           </a:p>
@@ -966,7 +966,7 @@
             <a:fld id="{542ED6D8-967B-4FDD-8539-23116DD8CE38}" type="datetimeFigureOut">
               <a:rPr lang="en-US" smtClean="0"/>
               <a:pPr/>
-              <a:t>3/13/2015</a:t>
+              <a:t>3/14/2015</a:t>
             </a:fld>
             <a:endParaRPr lang="en-US"/>
           </a:p>
@@ -1249,7 +1249,7 @@
             <a:fld id="{542ED6D8-967B-4FDD-8539-23116DD8CE38}" type="datetimeFigureOut">
               <a:rPr lang="en-US" smtClean="0"/>
               <a:pPr/>
-              <a:t>3/13/2015</a:t>
+              <a:t>3/14/2015</a:t>
             </a:fld>
             <a:endParaRPr lang="en-US"/>
           </a:p>
@@ -1539,7 +1539,7 @@
             <a:fld id="{542ED6D8-967B-4FDD-8539-23116DD8CE38}" type="datetimeFigureOut">
               <a:rPr lang="en-US" smtClean="0"/>
               <a:pPr/>
-              <a:t>3/13/2015</a:t>
+              <a:t>3/14/2015</a:t>
             </a:fld>
             <a:endParaRPr lang="en-US"/>
           </a:p>
@@ -2095,7 +2095,7 @@
             <a:fld id="{542ED6D8-967B-4FDD-8539-23116DD8CE38}" type="datetimeFigureOut">
               <a:rPr lang="en-US" smtClean="0"/>
               <a:pPr/>
-              <a:t>3/13/2015</a:t>
+              <a:t>3/14/2015</a:t>
             </a:fld>
             <a:endParaRPr lang="en-US"/>
           </a:p>
@@ -2228,7 +2228,7 @@
             <a:fld id="{542ED6D8-967B-4FDD-8539-23116DD8CE38}" type="datetimeFigureOut">
               <a:rPr lang="en-US" smtClean="0"/>
               <a:pPr/>
-              <a:t>3/13/2015</a:t>
+              <a:t>3/14/2015</a:t>
             </a:fld>
             <a:endParaRPr lang="en-US"/>
           </a:p>
@@ -2380,7 +2380,7 @@
             <a:fld id="{542ED6D8-967B-4FDD-8539-23116DD8CE38}" type="datetimeFigureOut">
               <a:rPr lang="en-US" smtClean="0"/>
               <a:pPr/>
-              <a:t>3/13/2015</a:t>
+              <a:t>3/14/2015</a:t>
             </a:fld>
             <a:endParaRPr lang="en-US"/>
           </a:p>
@@ -2703,7 +2703,7 @@
             <a:fld id="{542ED6D8-967B-4FDD-8539-23116DD8CE38}" type="datetimeFigureOut">
               <a:rPr lang="en-US" smtClean="0"/>
               <a:pPr/>
-              <a:t>3/13/2015</a:t>
+              <a:t>3/14/2015</a:t>
             </a:fld>
             <a:endParaRPr lang="en-US"/>
           </a:p>
@@ -3002,7 +3002,7 @@
             <a:fld id="{542ED6D8-967B-4FDD-8539-23116DD8CE38}" type="datetimeFigureOut">
               <a:rPr lang="en-US" smtClean="0"/>
               <a:pPr/>
-              <a:t>3/13/2015</a:t>
+              <a:t>3/14/2015</a:t>
             </a:fld>
             <a:endParaRPr lang="en-US"/>
           </a:p>
@@ -3249,7 +3249,7 @@
             <a:fld id="{542ED6D8-967B-4FDD-8539-23116DD8CE38}" type="datetimeFigureOut">
               <a:rPr lang="en-US" smtClean="0"/>
               <a:pPr/>
-              <a:t>3/13/2015</a:t>
+              <a:t>3/14/2015</a:t>
             </a:fld>
             <a:endParaRPr lang="en-US"/>
           </a:p>
@@ -4790,15 +4790,23 @@
             <a:pPr lvl="1"/>
             <a:r>
               <a:rPr lang="en-US" dirty="0" smtClean="0"/>
-              <a:t>C# creating </a:t>
-            </a:r>
-            <a:r>
-              <a:rPr lang="en-US" dirty="0" err="1" smtClean="0"/>
-              <a:t>ui</a:t>
-            </a:r>
-            <a:r>
-              <a:rPr lang="en-US" dirty="0" smtClean="0"/>
-              <a:t> controls</a:t>
+              <a:t>C</a:t>
+            </a:r>
+            <a:r>
+              <a:rPr lang="en-US" dirty="0" smtClean="0"/>
+              <a:t>#: </a:t>
+            </a:r>
+            <a:r>
+              <a:rPr lang="en-US" dirty="0" smtClean="0"/>
+              <a:t>creating </a:t>
+            </a:r>
+            <a:r>
+              <a:rPr lang="en-US" smtClean="0"/>
+              <a:t>user interface </a:t>
+            </a:r>
+            <a:r>
+              <a:rPr lang="en-US" dirty="0" smtClean="0"/>
+              <a:t>controls</a:t>
             </a:r>
           </a:p>
           <a:p>
@@ -5166,7 +5174,7 @@
         <p:spPr/>
         <p:txBody>
           <a:bodyPr>
-            <a:normAutofit/>
+            <a:normAutofit lnSpcReduction="10000"/>
           </a:bodyPr>
           <a:lstStyle/>
           <a:p>

--- a/Briefings/WinterFinalBriefing.pptx
+++ b/Briefings/WinterFinalBriefing.pptx
@@ -124,7 +124,7 @@
   </p:defaultTextStyle>
   <p:extLst>
     <p:ext uri="{EFAFB233-063F-42B5-8137-9DF3F51BA10A}">
-      <p15:sldGuideLst xmlns:p15="http://schemas.microsoft.com/office/powerpoint/2012/main" xmlns="">
+      <p15:sldGuideLst xmlns="" xmlns:p15="http://schemas.microsoft.com/office/powerpoint/2012/main">
         <p15:guide id="1" orient="horz" pos="2160">
           <p15:clr>
             <a:srgbClr val="A4A3A4"/>
@@ -349,7 +349,7 @@
             <a:fld id="{542ED6D8-967B-4FDD-8539-23116DD8CE38}" type="datetimeFigureOut">
               <a:rPr lang="en-US" smtClean="0"/>
               <a:pPr/>
-              <a:t>3/14/2015</a:t>
+              <a:t>3/15/2015</a:t>
             </a:fld>
             <a:endParaRPr lang="en-US"/>
           </a:p>
@@ -545,7 +545,7 @@
             <a:fld id="{542ED6D8-967B-4FDD-8539-23116DD8CE38}" type="datetimeFigureOut">
               <a:rPr lang="en-US" smtClean="0"/>
               <a:pPr/>
-              <a:t>3/14/2015</a:t>
+              <a:t>3/15/2015</a:t>
             </a:fld>
             <a:endParaRPr lang="en-US"/>
           </a:p>
@@ -735,7 +735,7 @@
             <a:fld id="{542ED6D8-967B-4FDD-8539-23116DD8CE38}" type="datetimeFigureOut">
               <a:rPr lang="en-US" smtClean="0"/>
               <a:pPr/>
-              <a:t>3/14/2015</a:t>
+              <a:t>3/15/2015</a:t>
             </a:fld>
             <a:endParaRPr lang="en-US"/>
           </a:p>
@@ -966,7 +966,7 @@
             <a:fld id="{542ED6D8-967B-4FDD-8539-23116DD8CE38}" type="datetimeFigureOut">
               <a:rPr lang="en-US" smtClean="0"/>
               <a:pPr/>
-              <a:t>3/14/2015</a:t>
+              <a:t>3/15/2015</a:t>
             </a:fld>
             <a:endParaRPr lang="en-US"/>
           </a:p>
@@ -1249,7 +1249,7 @@
             <a:fld id="{542ED6D8-967B-4FDD-8539-23116DD8CE38}" type="datetimeFigureOut">
               <a:rPr lang="en-US" smtClean="0"/>
               <a:pPr/>
-              <a:t>3/14/2015</a:t>
+              <a:t>3/15/2015</a:t>
             </a:fld>
             <a:endParaRPr lang="en-US"/>
           </a:p>
@@ -1539,7 +1539,7 @@
             <a:fld id="{542ED6D8-967B-4FDD-8539-23116DD8CE38}" type="datetimeFigureOut">
               <a:rPr lang="en-US" smtClean="0"/>
               <a:pPr/>
-              <a:t>3/14/2015</a:t>
+              <a:t>3/15/2015</a:t>
             </a:fld>
             <a:endParaRPr lang="en-US"/>
           </a:p>
@@ -2095,7 +2095,7 @@
             <a:fld id="{542ED6D8-967B-4FDD-8539-23116DD8CE38}" type="datetimeFigureOut">
               <a:rPr lang="en-US" smtClean="0"/>
               <a:pPr/>
-              <a:t>3/14/2015</a:t>
+              <a:t>3/15/2015</a:t>
             </a:fld>
             <a:endParaRPr lang="en-US"/>
           </a:p>
@@ -2228,7 +2228,7 @@
             <a:fld id="{542ED6D8-967B-4FDD-8539-23116DD8CE38}" type="datetimeFigureOut">
               <a:rPr lang="en-US" smtClean="0"/>
               <a:pPr/>
-              <a:t>3/14/2015</a:t>
+              <a:t>3/15/2015</a:t>
             </a:fld>
             <a:endParaRPr lang="en-US"/>
           </a:p>
@@ -2380,7 +2380,7 @@
             <a:fld id="{542ED6D8-967B-4FDD-8539-23116DD8CE38}" type="datetimeFigureOut">
               <a:rPr lang="en-US" smtClean="0"/>
               <a:pPr/>
-              <a:t>3/14/2015</a:t>
+              <a:t>3/15/2015</a:t>
             </a:fld>
             <a:endParaRPr lang="en-US"/>
           </a:p>
@@ -2703,7 +2703,7 @@
             <a:fld id="{542ED6D8-967B-4FDD-8539-23116DD8CE38}" type="datetimeFigureOut">
               <a:rPr lang="en-US" smtClean="0"/>
               <a:pPr/>
-              <a:t>3/14/2015</a:t>
+              <a:t>3/15/2015</a:t>
             </a:fld>
             <a:endParaRPr lang="en-US"/>
           </a:p>
@@ -3002,7 +3002,7 @@
             <a:fld id="{542ED6D8-967B-4FDD-8539-23116DD8CE38}" type="datetimeFigureOut">
               <a:rPr lang="en-US" smtClean="0"/>
               <a:pPr/>
-              <a:t>3/14/2015</a:t>
+              <a:t>3/15/2015</a:t>
             </a:fld>
             <a:endParaRPr lang="en-US"/>
           </a:p>
@@ -3249,7 +3249,7 @@
             <a:fld id="{542ED6D8-967B-4FDD-8539-23116DD8CE38}" type="datetimeFigureOut">
               <a:rPr lang="en-US" smtClean="0"/>
               <a:pPr/>
-              <a:t>3/14/2015</a:t>
+              <a:t>3/15/2015</a:t>
             </a:fld>
             <a:endParaRPr lang="en-US"/>
           </a:p>
@@ -4330,6 +4330,27 @@
           <a:bodyPr/>
           <a:lstStyle/>
           <a:p>
+            <a:r>
+              <a:rPr lang="en-US" dirty="0" smtClean="0"/>
+              <a:t>Utilized </a:t>
+            </a:r>
+            <a:r>
+              <a:rPr lang="en-US" dirty="0" err="1" smtClean="0"/>
+              <a:t>Newtonsoft.JSON</a:t>
+            </a:r>
+            <a:endParaRPr lang="en-US" dirty="0" smtClean="0"/>
+          </a:p>
+          <a:p>
+            <a:r>
+              <a:rPr lang="en-US" dirty="0" smtClean="0"/>
+              <a:t>Data loaded into a Lookup Table Object</a:t>
+            </a:r>
+          </a:p>
+          <a:p>
+            <a:r>
+              <a:rPr lang="en-US" dirty="0" smtClean="0"/>
+              <a:t>Access that object to load data into controls</a:t>
+            </a:r>
             <a:endParaRPr lang="en-US" dirty="0"/>
           </a:p>
         </p:txBody>
@@ -4398,7 +4419,11 @@
           <a:bodyPr/>
           <a:lstStyle/>
           <a:p>
-            <a:endParaRPr lang="en-US"/>
+            <a:r>
+              <a:rPr lang="en-US" dirty="0" smtClean="0"/>
+              <a:t>Must conform to Team 4’s format </a:t>
+            </a:r>
+            <a:endParaRPr lang="en-US" dirty="0"/>
           </a:p>
         </p:txBody>
       </p:sp>
@@ -4672,25 +4697,32 @@
           </a:p>
         </p:txBody>
       </p:sp>
-      <p:sp>
-        <p:nvSpPr>
-          <p:cNvPr id="3" name="Content Placeholder 2"/>
-          <p:cNvSpPr>
-            <a:spLocks noGrp="1"/>
-          </p:cNvSpPr>
-          <p:nvPr>
-            <p:ph idx="1"/>
-          </p:nvPr>
-        </p:nvSpPr>
-        <p:spPr/>
-        <p:txBody>
-          <a:bodyPr/>
-          <a:lstStyle/>
-          <a:p>
-            <a:endParaRPr lang="en-US"/>
-          </a:p>
-        </p:txBody>
-      </p:sp>
+      <p:pic>
+        <p:nvPicPr>
+          <p:cNvPr id="3074" name="Picture 2" descr="jumping fish by johnny_automatic - a fish leaping out of the water"/>
+          <p:cNvPicPr>
+            <a:picLocks noChangeAspect="1" noChangeArrowheads="1"/>
+          </p:cNvPicPr>
+          <p:nvPr/>
+        </p:nvPicPr>
+        <p:blipFill>
+          <a:blip r:embed="rId2" cstate="print"/>
+          <a:srcRect/>
+          <a:stretch>
+            <a:fillRect/>
+          </a:stretch>
+        </p:blipFill>
+        <p:spPr bwMode="auto">
+          <a:xfrm>
+            <a:off x="2286000" y="1981200"/>
+            <a:ext cx="5121310" cy="4660393"/>
+          </a:xfrm>
+          <a:prstGeom prst="rect">
+            <a:avLst/>
+          </a:prstGeom>
+          <a:noFill/>
+        </p:spPr>
+      </p:pic>
     </p:spTree>
   </p:cSld>
   <p:clrMapOvr>
@@ -4790,19 +4822,27 @@
             <a:pPr lvl="1"/>
             <a:r>
               <a:rPr lang="en-US" dirty="0" smtClean="0"/>
-              <a:t>C</a:t>
-            </a:r>
-            <a:r>
-              <a:rPr lang="en-US" dirty="0" smtClean="0"/>
-              <a:t>#: </a:t>
-            </a:r>
-            <a:r>
-              <a:rPr lang="en-US" dirty="0" smtClean="0"/>
-              <a:t>creating </a:t>
-            </a:r>
-            <a:r>
-              <a:rPr lang="en-US" smtClean="0"/>
-              <a:t>user interface </a:t>
+              <a:t>C#: </a:t>
+            </a:r>
+            <a:r>
+              <a:rPr lang="en-US" dirty="0" smtClean="0"/>
+              <a:t>Creating </a:t>
+            </a:r>
+            <a:r>
+              <a:rPr lang="en-US" dirty="0" smtClean="0"/>
+              <a:t>U</a:t>
+            </a:r>
+            <a:r>
+              <a:rPr lang="en-US" dirty="0" smtClean="0"/>
+              <a:t>ser </a:t>
+            </a:r>
+            <a:r>
+              <a:rPr lang="en-US" dirty="0" smtClean="0"/>
+              <a:t>I</a:t>
+            </a:r>
+            <a:r>
+              <a:rPr lang="en-US" dirty="0" smtClean="0"/>
+              <a:t>nterface </a:t>
             </a:r>
             <a:r>
               <a:rPr lang="en-US" dirty="0" smtClean="0"/>

--- a/Briefings/WinterFinalBriefing.pptx
+++ b/Briefings/WinterFinalBriefing.pptx
@@ -124,7 +124,7 @@
   </p:defaultTextStyle>
   <p:extLst>
     <p:ext uri="{EFAFB233-063F-42B5-8137-9DF3F51BA10A}">
-      <p15:sldGuideLst xmlns="" xmlns:p15="http://schemas.microsoft.com/office/powerpoint/2012/main">
+      <p15:sldGuideLst xmlns:p15="http://schemas.microsoft.com/office/powerpoint/2012/main">
         <p15:guide id="1" orient="horz" pos="2160">
           <p15:clr>
             <a:srgbClr val="A4A3A4"/>
@@ -4327,30 +4327,91 @@
         </p:nvSpPr>
         <p:spPr/>
         <p:txBody>
-          <a:bodyPr/>
+          <a:bodyPr>
+            <a:normAutofit fontScale="92500" lnSpcReduction="20000"/>
+          </a:bodyPr>
           <a:lstStyle/>
           <a:p>
             <a:r>
-              <a:rPr lang="en-US" dirty="0" smtClean="0"/>
-              <a:t>Utilized </a:t>
-            </a:r>
-            <a:r>
-              <a:rPr lang="en-US" dirty="0" err="1" smtClean="0"/>
-              <a:t>Newtonsoft.JSON</a:t>
-            </a:r>
-            <a:endParaRPr lang="en-US" dirty="0" smtClean="0"/>
-          </a:p>
-          <a:p>
-            <a:r>
-              <a:rPr lang="en-US" dirty="0" smtClean="0"/>
-              <a:t>Data loaded into a Lookup Table Object</a:t>
-            </a:r>
-          </a:p>
-          <a:p>
-            <a:r>
-              <a:rPr lang="en-US" dirty="0" smtClean="0"/>
-              <a:t>Access that object to load data into controls</a:t>
-            </a:r>
+              <a:rPr lang="en-US" dirty="0"/>
+              <a:t>We download look up table from </a:t>
+            </a:r>
+            <a:r>
+              <a:rPr lang="en-US" dirty="0" err="1"/>
+              <a:t>db</a:t>
+            </a:r>
+            <a:r>
+              <a:rPr lang="en-US" dirty="0"/>
+              <a:t> team using the upload/update button</a:t>
+            </a:r>
+          </a:p>
+          <a:p>
+            <a:r>
+              <a:rPr lang="en-US" dirty="0"/>
+              <a:t>Data comes in as </a:t>
+            </a:r>
+            <a:r>
+              <a:rPr lang="en-US" dirty="0" err="1"/>
+              <a:t>json</a:t>
+            </a:r>
+            <a:r>
+              <a:rPr lang="en-US" dirty="0"/>
+              <a:t> which is then </a:t>
+            </a:r>
+            <a:r>
+              <a:rPr lang="en-US" dirty="0" err="1"/>
+              <a:t>deserialized</a:t>
+            </a:r>
+            <a:r>
+              <a:rPr lang="en-US" dirty="0"/>
+              <a:t> using </a:t>
+            </a:r>
+            <a:r>
+              <a:rPr lang="en-US" dirty="0" err="1"/>
+              <a:t>newtonsoft</a:t>
+            </a:r>
+            <a:r>
+              <a:rPr lang="en-US" dirty="0"/>
+              <a:t> </a:t>
+            </a:r>
+            <a:r>
+              <a:rPr lang="en-US" dirty="0" err="1"/>
+              <a:t>json</a:t>
+            </a:r>
+            <a:r>
+              <a:rPr lang="en-US" dirty="0"/>
+              <a:t> package</a:t>
+            </a:r>
+          </a:p>
+          <a:p>
+            <a:r>
+              <a:rPr lang="en-US" dirty="0"/>
+              <a:t>Placed in objects which are then used for dynamic data that when changed on </a:t>
+            </a:r>
+            <a:r>
+              <a:rPr lang="en-US" dirty="0" err="1"/>
+              <a:t>db</a:t>
+            </a:r>
+            <a:r>
+              <a:rPr lang="en-US" dirty="0"/>
+              <a:t> side will be reflected on our side(For example adding a new fish species etc…)</a:t>
+            </a:r>
+          </a:p>
+          <a:p>
+            <a:r>
+              <a:rPr lang="en-US" dirty="0"/>
+              <a:t>The </a:t>
+            </a:r>
+            <a:r>
+              <a:rPr lang="en-US" dirty="0" err="1"/>
+              <a:t>json</a:t>
+            </a:r>
+            <a:r>
+              <a:rPr lang="en-US" dirty="0"/>
+              <a:t> is saved on local tablet file system incase internet connection is not available program can still be run.</a:t>
+            </a:r>
+          </a:p>
+          <a:p>
             <a:endParaRPr lang="en-US" dirty="0"/>
           </a:p>
         </p:txBody>
@@ -4420,10 +4481,64 @@
           <a:lstStyle/>
           <a:p>
             <a:r>
-              <a:rPr lang="en-US" dirty="0" smtClean="0"/>
-              <a:t>Must conform to Team 4’s format </a:t>
+              <a:rPr lang="en-US" dirty="0"/>
+              <a:t>Data is sent to the </a:t>
+            </a:r>
+            <a:r>
+              <a:rPr lang="en-US" dirty="0" err="1"/>
+              <a:t>db</a:t>
+            </a:r>
+            <a:r>
+              <a:rPr lang="en-US" dirty="0"/>
+              <a:t> via </a:t>
+            </a:r>
+            <a:r>
+              <a:rPr lang="en-US" dirty="0" err="1"/>
+              <a:t>json</a:t>
             </a:r>
             <a:endParaRPr lang="en-US" dirty="0"/>
+          </a:p>
+          <a:p>
+            <a:r>
+              <a:rPr lang="en-US" dirty="0"/>
+              <a:t>Data is serialized using the </a:t>
+            </a:r>
+            <a:r>
+              <a:rPr lang="en-US" dirty="0" err="1"/>
+              <a:t>newtonsoft</a:t>
+            </a:r>
+            <a:r>
+              <a:rPr lang="en-US" dirty="0"/>
+              <a:t> package</a:t>
+            </a:r>
+          </a:p>
+          <a:p>
+            <a:r>
+              <a:rPr lang="en-US" dirty="0"/>
+              <a:t>Data is also stored on the tablets local file system incase internet access is not available at time of upload.</a:t>
+            </a:r>
+          </a:p>
+          <a:p>
+            <a:r>
+              <a:rPr lang="en-US" dirty="0"/>
+              <a:t>On successful upload to </a:t>
+            </a:r>
+            <a:r>
+              <a:rPr lang="en-US" dirty="0" err="1"/>
+              <a:t>db</a:t>
+            </a:r>
+            <a:r>
+              <a:rPr lang="en-US" dirty="0"/>
+              <a:t> </a:t>
+            </a:r>
+            <a:r>
+              <a:rPr lang="en-US" dirty="0" err="1"/>
+              <a:t>json</a:t>
+            </a:r>
+            <a:r>
+              <a:rPr lang="en-US" dirty="0"/>
+              <a:t> is moved from incomplete folder to complete where it is stored permanently on tablet.</a:t>
+            </a:r>
           </a:p>
         </p:txBody>
       </p:sp>
@@ -4822,31 +4937,7 @@
             <a:pPr lvl="1"/>
             <a:r>
               <a:rPr lang="en-US" dirty="0" smtClean="0"/>
-              <a:t>C#: </a:t>
-            </a:r>
-            <a:r>
-              <a:rPr lang="en-US" dirty="0" smtClean="0"/>
-              <a:t>Creating </a:t>
-            </a:r>
-            <a:r>
-              <a:rPr lang="en-US" dirty="0" smtClean="0"/>
-              <a:t>U</a:t>
-            </a:r>
-            <a:r>
-              <a:rPr lang="en-US" dirty="0" smtClean="0"/>
-              <a:t>ser </a:t>
-            </a:r>
-            <a:r>
-              <a:rPr lang="en-US" dirty="0" smtClean="0"/>
-              <a:t>I</a:t>
-            </a:r>
-            <a:r>
-              <a:rPr lang="en-US" dirty="0" smtClean="0"/>
-              <a:t>nterface </a:t>
-            </a:r>
-            <a:r>
-              <a:rPr lang="en-US" dirty="0" smtClean="0"/>
-              <a:t>controls</a:t>
+              <a:t>C#: Creating User Interface controls</a:t>
             </a:r>
           </a:p>
           <a:p>
@@ -5214,7 +5305,7 @@
         <p:spPr/>
         <p:txBody>
           <a:bodyPr>
-            <a:normAutofit lnSpcReduction="10000"/>
+            <a:normAutofit/>
           </a:bodyPr>
           <a:lstStyle/>
           <a:p>

--- a/Briefings/WinterFinalBriefing.pptx
+++ b/Briefings/WinterFinalBriefing.pptx
@@ -124,7 +124,7 @@
   </p:defaultTextStyle>
   <p:extLst>
     <p:ext uri="{EFAFB233-063F-42B5-8137-9DF3F51BA10A}">
-      <p15:sldGuideLst xmlns:p15="http://schemas.microsoft.com/office/powerpoint/2012/main">
+      <p15:sldGuideLst xmlns:p15="http://schemas.microsoft.com/office/powerpoint/2012/main" xmlns="">
         <p15:guide id="1" orient="horz" pos="2160">
           <p15:clr>
             <a:srgbClr val="A4A3A4"/>
@@ -4334,15 +4334,15 @@
           <a:p>
             <a:r>
               <a:rPr lang="en-US" dirty="0"/>
-              <a:t>We download look up table from </a:t>
-            </a:r>
-            <a:r>
-              <a:rPr lang="en-US" dirty="0" err="1"/>
-              <a:t>db</a:t>
+              <a:t>We download </a:t>
+            </a:r>
+            <a:r>
+              <a:rPr lang="en-US" dirty="0" smtClean="0"/>
+              <a:t>the look </a:t>
             </a:r>
             <a:r>
               <a:rPr lang="en-US" dirty="0"/>
-              <a:t> team using the upload/update button</a:t>
+              <a:t>up table from db team using the upload/update button</a:t>
             </a:r>
           </a:p>
           <a:p>
@@ -4386,30 +4386,51 @@
           <a:p>
             <a:r>
               <a:rPr lang="en-US" dirty="0"/>
-              <a:t>Placed in objects which are then used for dynamic data that when changed on </a:t>
-            </a:r>
-            <a:r>
-              <a:rPr lang="en-US" dirty="0" err="1"/>
-              <a:t>db</a:t>
+              <a:t>Placed in objects which are then used for dynamic data </a:t>
+            </a:r>
+            <a:endParaRPr lang="en-US" dirty="0" smtClean="0"/>
+          </a:p>
+          <a:p>
+            <a:pPr lvl="1"/>
+            <a:r>
+              <a:rPr lang="en-US" dirty="0" smtClean="0"/>
+              <a:t>Changes on </a:t>
             </a:r>
             <a:r>
               <a:rPr lang="en-US" dirty="0"/>
-              <a:t> side will be reflected on our side(For example adding a new fish species etc…)</a:t>
-            </a:r>
-          </a:p>
-          <a:p>
+              <a:t>db side will be reflected on our side(For example adding a new fish species etc…)</a:t>
+            </a:r>
+          </a:p>
+          <a:p>
+            <a:r>
+              <a:rPr lang="en-US" dirty="0" smtClean="0"/>
+              <a:t>Saved on local </a:t>
+            </a:r>
             <a:r>
               <a:rPr lang="en-US" dirty="0"/>
-              <a:t>The </a:t>
-            </a:r>
-            <a:r>
-              <a:rPr lang="en-US" dirty="0" err="1"/>
-              <a:t>json</a:t>
+              <a:t>tablet file system </a:t>
+            </a:r>
+            <a:r>
+              <a:rPr lang="en-US" dirty="0" smtClean="0"/>
+              <a:t>in case </a:t>
             </a:r>
             <a:r>
               <a:rPr lang="en-US" dirty="0"/>
-              <a:t> is saved on local tablet file system incase internet connection is not available program can still be run.</a:t>
-            </a:r>
+              <a:t>I</a:t>
+            </a:r>
+            <a:r>
+              <a:rPr lang="en-US" dirty="0" smtClean="0"/>
+              <a:t>nternet </a:t>
+            </a:r>
+            <a:r>
+              <a:rPr lang="en-US" dirty="0"/>
+              <a:t>connection is not </a:t>
+            </a:r>
+            <a:r>
+              <a:rPr lang="en-US" dirty="0" smtClean="0"/>
+              <a:t>available</a:t>
+            </a:r>
+            <a:endParaRPr lang="en-US" dirty="0"/>
           </a:p>
           <a:p>
             <a:endParaRPr lang="en-US" dirty="0"/>
@@ -4477,7 +4498,9 @@
         </p:nvSpPr>
         <p:spPr/>
         <p:txBody>
-          <a:bodyPr/>
+          <a:bodyPr>
+            <a:normAutofit fontScale="92500"/>
+          </a:bodyPr>
           <a:lstStyle/>
           <a:p>
             <a:r>
@@ -4515,7 +4538,23 @@
           <a:p>
             <a:r>
               <a:rPr lang="en-US" dirty="0"/>
-              <a:t>Data is also stored on the tablets local file system incase internet access is not available at time of upload.</a:t>
+              <a:t>Data is also stored on the tablets local file system </a:t>
+            </a:r>
+            <a:r>
+              <a:rPr lang="en-US" dirty="0" smtClean="0"/>
+              <a:t>in case </a:t>
+            </a:r>
+            <a:r>
+              <a:rPr lang="en-US" dirty="0"/>
+              <a:t>I</a:t>
+            </a:r>
+            <a:r>
+              <a:rPr lang="en-US" dirty="0" smtClean="0"/>
+              <a:t>nternet </a:t>
+            </a:r>
+            <a:r>
+              <a:rPr lang="en-US" dirty="0"/>
+              <a:t>access is not available at time of upload.</a:t>
             </a:r>
           </a:p>
           <a:p>
@@ -4524,12 +4563,8 @@
               <a:t>On successful upload to </a:t>
             </a:r>
             <a:r>
-              <a:rPr lang="en-US" dirty="0" err="1"/>
-              <a:t>db</a:t>
-            </a:r>
-            <a:r>
-              <a:rPr lang="en-US" dirty="0"/>
-              <a:t> </a:t>
+              <a:rPr lang="en-US" dirty="0" smtClean="0"/>
+              <a:t>the db </a:t>
             </a:r>
             <a:r>
               <a:rPr lang="en-US" dirty="0" err="1"/>
@@ -4537,8 +4572,13 @@
             </a:r>
             <a:r>
               <a:rPr lang="en-US" dirty="0"/>
-              <a:t> is moved from incomplete folder to complete where it is stored permanently on tablet.</a:t>
-            </a:r>
+              <a:t> is moved from incomplete folder to complete where it is stored permanently on </a:t>
+            </a:r>
+            <a:r>
+              <a:rPr lang="en-US" dirty="0" smtClean="0"/>
+              <a:t>tablet</a:t>
+            </a:r>
+            <a:endParaRPr lang="en-US" dirty="0"/>
           </a:p>
         </p:txBody>
       </p:sp>
@@ -4899,7 +4939,9 @@
         </p:nvSpPr>
         <p:spPr/>
         <p:txBody>
-          <a:bodyPr/>
+          <a:bodyPr>
+            <a:normAutofit lnSpcReduction="10000"/>
+          </a:bodyPr>
           <a:lstStyle/>
           <a:p>
             <a:r>
@@ -4926,6 +4968,18 @@
               <a:rPr lang="en-US" dirty="0" smtClean="0"/>
               <a:t>Thomas</a:t>
             </a:r>
+          </a:p>
+          <a:p>
+            <a:pPr lvl="1"/>
+            <a:r>
+              <a:rPr lang="en-US" dirty="0" smtClean="0"/>
+              <a:t>Dealing with </a:t>
+            </a:r>
+            <a:r>
+              <a:rPr lang="en-US" smtClean="0"/>
+              <a:t>feature creep</a:t>
+            </a:r>
+            <a:endParaRPr lang="en-US" dirty="0" smtClean="0"/>
           </a:p>
           <a:p>
             <a:r>
@@ -5305,7 +5359,7 @@
         <p:spPr/>
         <p:txBody>
           <a:bodyPr>
-            <a:normAutofit/>
+            <a:normAutofit lnSpcReduction="10000"/>
           </a:bodyPr>
           <a:lstStyle/>
           <a:p>
